--- a/GUI/Version4/Capstone Results.pptx
+++ b/GUI/Version4/Capstone Results.pptx
@@ -14,18 +14,22 @@
     <p:sldId id="273" r:id="rId8"/>
     <p:sldId id="274" r:id="rId9"/>
     <p:sldId id="260" r:id="rId10"/>
-    <p:sldId id="261" r:id="rId11"/>
-    <p:sldId id="262" r:id="rId12"/>
-    <p:sldId id="265" r:id="rId13"/>
-    <p:sldId id="270" r:id="rId14"/>
-    <p:sldId id="271" r:id="rId15"/>
-    <p:sldId id="272" r:id="rId16"/>
-    <p:sldId id="269" r:id="rId17"/>
-    <p:sldId id="275" r:id="rId18"/>
-    <p:sldId id="276" r:id="rId19"/>
-    <p:sldId id="266" r:id="rId20"/>
-    <p:sldId id="267" r:id="rId21"/>
-    <p:sldId id="268" r:id="rId22"/>
+    <p:sldId id="277" r:id="rId11"/>
+    <p:sldId id="278" r:id="rId12"/>
+    <p:sldId id="261" r:id="rId13"/>
+    <p:sldId id="262" r:id="rId14"/>
+    <p:sldId id="265" r:id="rId15"/>
+    <p:sldId id="270" r:id="rId16"/>
+    <p:sldId id="271" r:id="rId17"/>
+    <p:sldId id="272" r:id="rId18"/>
+    <p:sldId id="269" r:id="rId19"/>
+    <p:sldId id="275" r:id="rId20"/>
+    <p:sldId id="276" r:id="rId21"/>
+    <p:sldId id="266" r:id="rId22"/>
+    <p:sldId id="279" r:id="rId23"/>
+    <p:sldId id="280" r:id="rId24"/>
+    <p:sldId id="267" r:id="rId25"/>
+    <p:sldId id="268" r:id="rId26"/>
   </p:sldIdLst>
   <p:sldSz cx="12192000" cy="6858000"/>
   <p:notesSz cx="6858000" cy="9144000"/>
@@ -3437,7 +3441,7 @@
           <p:cNvPr id="2" name="Title 1">
             <a:extLst>
               <a:ext uri="{FF2B5EF4-FFF2-40B4-BE49-F238E27FC236}">
-                <a16:creationId xmlns:a16="http://schemas.microsoft.com/office/drawing/2014/main" id="{B776CB71-896F-234C-87C7-301F4ECF04EA}"/>
+                <a16:creationId xmlns:a16="http://schemas.microsoft.com/office/drawing/2014/main" id="{C0AF628F-F166-F74C-8E6D-DBDEA47A7605}"/>
               </a:ext>
             </a:extLst>
           </p:cNvPr>
@@ -3455,7 +3459,7 @@
           <a:p>
             <a:r>
               <a:rPr lang="en-US" dirty="0"/>
-              <a:t>Case 1: 10,000 simulations</a:t>
+              <a:t>Case 1: 1,000 Simulations</a:t>
             </a:r>
           </a:p>
         </p:txBody>
@@ -3465,7 +3469,7 @@
           <p:cNvPr id="4" name="Content Placeholder 3">
             <a:extLst>
               <a:ext uri="{FF2B5EF4-FFF2-40B4-BE49-F238E27FC236}">
-                <a16:creationId xmlns:a16="http://schemas.microsoft.com/office/drawing/2014/main" id="{A4C6467C-1130-D04E-B54E-F8ABF69B7154}"/>
+                <a16:creationId xmlns:a16="http://schemas.microsoft.com/office/drawing/2014/main" id="{2DD015A9-E38A-4042-A26F-33B6483FD88B}"/>
               </a:ext>
             </a:extLst>
           </p:cNvPr>
@@ -3490,7 +3494,7 @@
           <p:cNvPr id="5" name="Content Placeholder 4">
             <a:extLst>
               <a:ext uri="{FF2B5EF4-FFF2-40B4-BE49-F238E27FC236}">
-                <a16:creationId xmlns:a16="http://schemas.microsoft.com/office/drawing/2014/main" id="{7C6D86F2-807E-4C45-9F69-5DD8AE0E2236}"/>
+                <a16:creationId xmlns:a16="http://schemas.microsoft.com/office/drawing/2014/main" id="{06630662-85C7-0C45-9A2B-8FF4BB9321A2}"/>
               </a:ext>
             </a:extLst>
           </p:cNvPr>
@@ -3513,7 +3517,7 @@
     </p:spTree>
     <p:extLst>
       <p:ext uri="{BB962C8B-B14F-4D97-AF65-F5344CB8AC3E}">
-        <p14:creationId xmlns:p14="http://schemas.microsoft.com/office/powerpoint/2010/main" val="3485008970"/>
+        <p14:creationId xmlns:p14="http://schemas.microsoft.com/office/powerpoint/2010/main" val="3906863567"/>
       </p:ext>
     </p:extLst>
   </p:cSld>
@@ -3545,7 +3549,7 @@
           <p:cNvPr id="2" name="Title 1">
             <a:extLst>
               <a:ext uri="{FF2B5EF4-FFF2-40B4-BE49-F238E27FC236}">
-                <a16:creationId xmlns:a16="http://schemas.microsoft.com/office/drawing/2014/main" id="{B776CB71-896F-234C-87C7-301F4ECF04EA}"/>
+                <a16:creationId xmlns:a16="http://schemas.microsoft.com/office/drawing/2014/main" id="{C0AF628F-F166-F74C-8E6D-DBDEA47A7605}"/>
               </a:ext>
             </a:extLst>
           </p:cNvPr>
@@ -3563,7 +3567,7 @@
           <a:p>
             <a:r>
               <a:rPr lang="en-US" dirty="0"/>
-              <a:t>Case 1: 100,000 simulations</a:t>
+              <a:t>Case 1: 1,000 Simulations</a:t>
             </a:r>
           </a:p>
         </p:txBody>
@@ -3573,7 +3577,7 @@
           <p:cNvPr id="4" name="Content Placeholder 3">
             <a:extLst>
               <a:ext uri="{FF2B5EF4-FFF2-40B4-BE49-F238E27FC236}">
-                <a16:creationId xmlns:a16="http://schemas.microsoft.com/office/drawing/2014/main" id="{9B1551A1-773C-4740-BCD3-BF41730ADFB3}"/>
+                <a16:creationId xmlns:a16="http://schemas.microsoft.com/office/drawing/2014/main" id="{2DD015A9-E38A-4042-A26F-33B6483FD88B}"/>
               </a:ext>
             </a:extLst>
           </p:cNvPr>
@@ -3598,7 +3602,7 @@
           <p:cNvPr id="5" name="Content Placeholder 4">
             <a:extLst>
               <a:ext uri="{FF2B5EF4-FFF2-40B4-BE49-F238E27FC236}">
-                <a16:creationId xmlns:a16="http://schemas.microsoft.com/office/drawing/2014/main" id="{1608ED09-1313-154C-89EC-E347304C49B4}"/>
+                <a16:creationId xmlns:a16="http://schemas.microsoft.com/office/drawing/2014/main" id="{06630662-85C7-0C45-9A2B-8FF4BB9321A2}"/>
               </a:ext>
             </a:extLst>
           </p:cNvPr>
@@ -3621,7 +3625,7 @@
     </p:spTree>
     <p:extLst>
       <p:ext uri="{BB962C8B-B14F-4D97-AF65-F5344CB8AC3E}">
-        <p14:creationId xmlns:p14="http://schemas.microsoft.com/office/powerpoint/2010/main" val="2833766832"/>
+        <p14:creationId xmlns:p14="http://schemas.microsoft.com/office/powerpoint/2010/main" val="1699614375"/>
       </p:ext>
     </p:extLst>
   </p:cSld>
@@ -3653,7 +3657,7 @@
           <p:cNvPr id="2" name="Title 1">
             <a:extLst>
               <a:ext uri="{FF2B5EF4-FFF2-40B4-BE49-F238E27FC236}">
-                <a16:creationId xmlns:a16="http://schemas.microsoft.com/office/drawing/2014/main" id="{C0AF628F-F166-F74C-8E6D-DBDEA47A7605}"/>
+                <a16:creationId xmlns:a16="http://schemas.microsoft.com/office/drawing/2014/main" id="{B776CB71-896F-234C-87C7-301F4ECF04EA}"/>
               </a:ext>
             </a:extLst>
           </p:cNvPr>
@@ -3671,43 +3675,65 @@
           <a:p>
             <a:r>
               <a:rPr lang="en-US" dirty="0"/>
-              <a:t>Case 2</a:t>
-            </a:r>
-          </a:p>
-        </p:txBody>
-      </p:sp>
-      <p:sp>
-        <p:nvSpPr>
-          <p:cNvPr id="3" name="Content Placeholder 2">
-            <a:extLst>
-              <a:ext uri="{FF2B5EF4-FFF2-40B4-BE49-F238E27FC236}">
-                <a16:creationId xmlns:a16="http://schemas.microsoft.com/office/drawing/2014/main" id="{A4F36379-91FF-E640-84BE-3FB27576C5E7}"/>
-              </a:ext>
-            </a:extLst>
-          </p:cNvPr>
-          <p:cNvSpPr>
-            <a:spLocks noGrp="1"/>
-          </p:cNvSpPr>
-          <p:nvPr>
-            <p:ph idx="1"/>
-          </p:nvPr>
-        </p:nvSpPr>
-        <p:spPr/>
-        <p:txBody>
-          <a:bodyPr/>
-          <a:lstStyle/>
-          <a:p>
-            <a:r>
-              <a:rPr lang="en-US" dirty="0"/>
-              <a:t>In this case, we simulate the dataset and set the number of noise variables to 1, 5, 10, 20, and 50 and display the results of each simulation.</a:t>
-            </a:r>
+              <a:t>Case 1: 10,000 simulations</a:t>
+            </a:r>
+          </a:p>
+        </p:txBody>
+      </p:sp>
+      <p:sp>
+        <p:nvSpPr>
+          <p:cNvPr id="4" name="Content Placeholder 3">
+            <a:extLst>
+              <a:ext uri="{FF2B5EF4-FFF2-40B4-BE49-F238E27FC236}">
+                <a16:creationId xmlns:a16="http://schemas.microsoft.com/office/drawing/2014/main" id="{A4C6467C-1130-D04E-B54E-F8ABF69B7154}"/>
+              </a:ext>
+            </a:extLst>
+          </p:cNvPr>
+          <p:cNvSpPr>
+            <a:spLocks noGrp="1"/>
+          </p:cNvSpPr>
+          <p:nvPr>
+            <p:ph sz="half" idx="1"/>
+          </p:nvPr>
+        </p:nvSpPr>
+        <p:spPr/>
+        <p:txBody>
+          <a:bodyPr/>
+          <a:lstStyle/>
+          <a:p>
+            <a:endParaRPr lang="en-US"/>
+          </a:p>
+        </p:txBody>
+      </p:sp>
+      <p:sp>
+        <p:nvSpPr>
+          <p:cNvPr id="5" name="Content Placeholder 4">
+            <a:extLst>
+              <a:ext uri="{FF2B5EF4-FFF2-40B4-BE49-F238E27FC236}">
+                <a16:creationId xmlns:a16="http://schemas.microsoft.com/office/drawing/2014/main" id="{7C6D86F2-807E-4C45-9F69-5DD8AE0E2236}"/>
+              </a:ext>
+            </a:extLst>
+          </p:cNvPr>
+          <p:cNvSpPr>
+            <a:spLocks noGrp="1"/>
+          </p:cNvSpPr>
+          <p:nvPr>
+            <p:ph sz="half" idx="2"/>
+          </p:nvPr>
+        </p:nvSpPr>
+        <p:spPr/>
+        <p:txBody>
+          <a:bodyPr/>
+          <a:lstStyle/>
+          <a:p>
+            <a:endParaRPr lang="en-US"/>
           </a:p>
         </p:txBody>
       </p:sp>
     </p:spTree>
     <p:extLst>
       <p:ext uri="{BB962C8B-B14F-4D97-AF65-F5344CB8AC3E}">
-        <p14:creationId xmlns:p14="http://schemas.microsoft.com/office/powerpoint/2010/main" val="2593309692"/>
+        <p14:creationId xmlns:p14="http://schemas.microsoft.com/office/powerpoint/2010/main" val="3485008970"/>
       </p:ext>
     </p:extLst>
   </p:cSld>
@@ -3739,7 +3765,7 @@
           <p:cNvPr id="2" name="Title 1">
             <a:extLst>
               <a:ext uri="{FF2B5EF4-FFF2-40B4-BE49-F238E27FC236}">
-                <a16:creationId xmlns:a16="http://schemas.microsoft.com/office/drawing/2014/main" id="{C0AF628F-F166-F74C-8E6D-DBDEA47A7605}"/>
+                <a16:creationId xmlns:a16="http://schemas.microsoft.com/office/drawing/2014/main" id="{B776CB71-896F-234C-87C7-301F4ECF04EA}"/>
               </a:ext>
             </a:extLst>
           </p:cNvPr>
@@ -3757,85 +3783,65 @@
           <a:p>
             <a:r>
               <a:rPr lang="en-US" dirty="0"/>
-              <a:t>Case 2: 10 Simulations</a:t>
-            </a:r>
-          </a:p>
-        </p:txBody>
-      </p:sp>
-      <p:pic>
-        <p:nvPicPr>
-          <p:cNvPr id="8" name="Content Placeholder 7">
-            <a:extLst>
-              <a:ext uri="{FF2B5EF4-FFF2-40B4-BE49-F238E27FC236}">
-                <a16:creationId xmlns:a16="http://schemas.microsoft.com/office/drawing/2014/main" id="{F5C46674-6E35-3946-9E32-DA57755FB269}"/>
-              </a:ext>
-            </a:extLst>
-          </p:cNvPr>
-          <p:cNvPicPr>
-            <a:picLocks noGrp="1" noChangeAspect="1"/>
-          </p:cNvPicPr>
+              <a:t>Case 1: 100,000 simulations</a:t>
+            </a:r>
+          </a:p>
+        </p:txBody>
+      </p:sp>
+      <p:sp>
+        <p:nvSpPr>
+          <p:cNvPr id="4" name="Content Placeholder 3">
+            <a:extLst>
+              <a:ext uri="{FF2B5EF4-FFF2-40B4-BE49-F238E27FC236}">
+                <a16:creationId xmlns:a16="http://schemas.microsoft.com/office/drawing/2014/main" id="{9B1551A1-773C-4740-BCD3-BF41730ADFB3}"/>
+              </a:ext>
+            </a:extLst>
+          </p:cNvPr>
+          <p:cNvSpPr>
+            <a:spLocks noGrp="1"/>
+          </p:cNvSpPr>
+          <p:nvPr>
+            <p:ph sz="half" idx="1"/>
+          </p:nvPr>
+        </p:nvSpPr>
+        <p:spPr/>
+        <p:txBody>
+          <a:bodyPr/>
+          <a:lstStyle/>
+          <a:p>
+            <a:endParaRPr lang="en-US"/>
+          </a:p>
+        </p:txBody>
+      </p:sp>
+      <p:sp>
+        <p:nvSpPr>
+          <p:cNvPr id="5" name="Content Placeholder 4">
+            <a:extLst>
+              <a:ext uri="{FF2B5EF4-FFF2-40B4-BE49-F238E27FC236}">
+                <a16:creationId xmlns:a16="http://schemas.microsoft.com/office/drawing/2014/main" id="{1608ED09-1313-154C-89EC-E347304C49B4}"/>
+              </a:ext>
+            </a:extLst>
+          </p:cNvPr>
+          <p:cNvSpPr>
+            <a:spLocks noGrp="1"/>
+          </p:cNvSpPr>
           <p:nvPr>
             <p:ph sz="half" idx="2"/>
           </p:nvPr>
-        </p:nvPicPr>
-        <p:blipFill>
-          <a:blip r:embed="rId2">
-            <a:extLst>
-              <a:ext uri="{28A0092B-C50C-407E-A947-70E740481C1C}">
-                <a14:useLocalDpi xmlns:a14="http://schemas.microsoft.com/office/drawing/2010/main" val="0"/>
-              </a:ext>
-            </a:extLst>
-          </a:blip>
-          <a:stretch>
-            <a:fillRect/>
-          </a:stretch>
-        </p:blipFill>
-        <p:spPr>
-          <a:xfrm>
-            <a:off x="6172200" y="2980563"/>
-            <a:ext cx="5181600" cy="2041461"/>
-          </a:xfrm>
-        </p:spPr>
-      </p:pic>
-      <p:pic>
-        <p:nvPicPr>
-          <p:cNvPr id="12" name="Content Placeholder 11">
-            <a:extLst>
-              <a:ext uri="{FF2B5EF4-FFF2-40B4-BE49-F238E27FC236}">
-                <a16:creationId xmlns:a16="http://schemas.microsoft.com/office/drawing/2014/main" id="{84CAF601-13B9-7146-B57C-3D942C760002}"/>
-              </a:ext>
-            </a:extLst>
-          </p:cNvPr>
-          <p:cNvPicPr>
-            <a:picLocks noGrp="1" noChangeAspect="1"/>
-          </p:cNvPicPr>
-          <p:nvPr>
-            <p:ph sz="half" idx="1"/>
-          </p:nvPr>
-        </p:nvPicPr>
-        <p:blipFill>
-          <a:blip r:embed="rId3">
-            <a:extLst>
-              <a:ext uri="{28A0092B-C50C-407E-A947-70E740481C1C}">
-                <a14:useLocalDpi xmlns:a14="http://schemas.microsoft.com/office/drawing/2010/main" val="0"/>
-              </a:ext>
-            </a:extLst>
-          </a:blip>
-          <a:stretch>
-            <a:fillRect/>
-          </a:stretch>
-        </p:blipFill>
-        <p:spPr>
-          <a:xfrm>
-            <a:off x="838200" y="2919548"/>
-            <a:ext cx="5181600" cy="2163491"/>
-          </a:xfrm>
-        </p:spPr>
-      </p:pic>
+        </p:nvSpPr>
+        <p:spPr/>
+        <p:txBody>
+          <a:bodyPr/>
+          <a:lstStyle/>
+          <a:p>
+            <a:endParaRPr lang="en-US"/>
+          </a:p>
+        </p:txBody>
+      </p:sp>
     </p:spTree>
     <p:extLst>
       <p:ext uri="{BB962C8B-B14F-4D97-AF65-F5344CB8AC3E}">
-        <p14:creationId xmlns:p14="http://schemas.microsoft.com/office/powerpoint/2010/main" val="4199063087"/>
+        <p14:creationId xmlns:p14="http://schemas.microsoft.com/office/powerpoint/2010/main" val="2833766832"/>
       </p:ext>
     </p:extLst>
   </p:cSld>
@@ -3885,85 +3891,43 @@
           <a:p>
             <a:r>
               <a:rPr lang="en-US" dirty="0"/>
-              <a:t>Case 2: 10 Simulations</a:t>
-            </a:r>
-          </a:p>
-        </p:txBody>
-      </p:sp>
-      <p:pic>
-        <p:nvPicPr>
-          <p:cNvPr id="6" name="Content Placeholder 5">
-            <a:extLst>
-              <a:ext uri="{FF2B5EF4-FFF2-40B4-BE49-F238E27FC236}">
-                <a16:creationId xmlns:a16="http://schemas.microsoft.com/office/drawing/2014/main" id="{9140D207-24B3-4F45-83D2-8AFDD21080D2}"/>
-              </a:ext>
-            </a:extLst>
-          </p:cNvPr>
-          <p:cNvPicPr>
-            <a:picLocks noGrp="1" noChangeAspect="1"/>
-          </p:cNvPicPr>
-          <p:nvPr>
-            <p:ph sz="half" idx="1"/>
-          </p:nvPr>
-        </p:nvPicPr>
-        <p:blipFill>
-          <a:blip r:embed="rId2">
-            <a:extLst>
-              <a:ext uri="{28A0092B-C50C-407E-A947-70E740481C1C}">
-                <a14:useLocalDpi xmlns:a14="http://schemas.microsoft.com/office/drawing/2010/main" val="0"/>
-              </a:ext>
-            </a:extLst>
-          </a:blip>
-          <a:stretch>
-            <a:fillRect/>
-          </a:stretch>
-        </p:blipFill>
-        <p:spPr>
-          <a:xfrm>
-            <a:off x="838200" y="2511401"/>
-            <a:ext cx="5181600" cy="2979786"/>
-          </a:xfrm>
-        </p:spPr>
-      </p:pic>
-      <p:pic>
-        <p:nvPicPr>
-          <p:cNvPr id="8" name="Content Placeholder 7">
-            <a:extLst>
-              <a:ext uri="{FF2B5EF4-FFF2-40B4-BE49-F238E27FC236}">
-                <a16:creationId xmlns:a16="http://schemas.microsoft.com/office/drawing/2014/main" id="{504FEDD6-09B2-344E-88EB-6958593FF1F4}"/>
-              </a:ext>
-            </a:extLst>
-          </p:cNvPr>
-          <p:cNvPicPr>
-            <a:picLocks noGrp="1" noChangeAspect="1"/>
-          </p:cNvPicPr>
-          <p:nvPr>
-            <p:ph sz="half" idx="2"/>
-          </p:nvPr>
-        </p:nvPicPr>
-        <p:blipFill>
-          <a:blip r:embed="rId3">
-            <a:extLst>
-              <a:ext uri="{28A0092B-C50C-407E-A947-70E740481C1C}">
-                <a14:useLocalDpi xmlns:a14="http://schemas.microsoft.com/office/drawing/2010/main" val="0"/>
-              </a:ext>
-            </a:extLst>
-          </a:blip>
-          <a:stretch>
-            <a:fillRect/>
-          </a:stretch>
-        </p:blipFill>
-        <p:spPr>
-          <a:xfrm>
-            <a:off x="6172200" y="2533906"/>
-            <a:ext cx="5181600" cy="2934776"/>
-          </a:xfrm>
-        </p:spPr>
-      </p:pic>
+              <a:t>Case 2</a:t>
+            </a:r>
+          </a:p>
+        </p:txBody>
+      </p:sp>
+      <p:sp>
+        <p:nvSpPr>
+          <p:cNvPr id="3" name="Content Placeholder 2">
+            <a:extLst>
+              <a:ext uri="{FF2B5EF4-FFF2-40B4-BE49-F238E27FC236}">
+                <a16:creationId xmlns:a16="http://schemas.microsoft.com/office/drawing/2014/main" id="{A4F36379-91FF-E640-84BE-3FB27576C5E7}"/>
+              </a:ext>
+            </a:extLst>
+          </p:cNvPr>
+          <p:cNvSpPr>
+            <a:spLocks noGrp="1"/>
+          </p:cNvSpPr>
+          <p:nvPr>
+            <p:ph idx="1"/>
+          </p:nvPr>
+        </p:nvSpPr>
+        <p:spPr/>
+        <p:txBody>
+          <a:bodyPr/>
+          <a:lstStyle/>
+          <a:p>
+            <a:r>
+              <a:rPr lang="en-US" dirty="0"/>
+              <a:t>In this case, we simulate the dataset and set the number of noise variables to 1, 5, 10, 20, and 50 and display the results of each simulation.</a:t>
+            </a:r>
+          </a:p>
+        </p:txBody>
+      </p:sp>
     </p:spTree>
     <p:extLst>
       <p:ext uri="{BB962C8B-B14F-4D97-AF65-F5344CB8AC3E}">
-        <p14:creationId xmlns:p14="http://schemas.microsoft.com/office/powerpoint/2010/main" val="1746196318"/>
+        <p14:creationId xmlns:p14="http://schemas.microsoft.com/office/powerpoint/2010/main" val="2593309692"/>
       </p:ext>
     </p:extLst>
   </p:cSld>
@@ -4020,10 +3984,10 @@
       </p:sp>
       <p:pic>
         <p:nvPicPr>
-          <p:cNvPr id="6" name="Content Placeholder 5">
-            <a:extLst>
-              <a:ext uri="{FF2B5EF4-FFF2-40B4-BE49-F238E27FC236}">
-                <a16:creationId xmlns:a16="http://schemas.microsoft.com/office/drawing/2014/main" id="{9C28EEB4-E566-AC48-8C5E-AE01C6A850E2}"/>
+          <p:cNvPr id="8" name="Content Placeholder 7">
+            <a:extLst>
+              <a:ext uri="{FF2B5EF4-FFF2-40B4-BE49-F238E27FC236}">
+                <a16:creationId xmlns:a16="http://schemas.microsoft.com/office/drawing/2014/main" id="{F5C46674-6E35-3946-9E32-DA57755FB269}"/>
               </a:ext>
             </a:extLst>
           </p:cNvPr>
@@ -4031,7 +3995,7 @@
             <a:picLocks noGrp="1" noChangeAspect="1"/>
           </p:cNvPicPr>
           <p:nvPr>
-            <p:ph sz="half" idx="1"/>
+            <p:ph sz="half" idx="2"/>
           </p:nvPr>
         </p:nvPicPr>
         <p:blipFill>
@@ -4048,17 +4012,17 @@
         </p:blipFill>
         <p:spPr>
           <a:xfrm>
-            <a:off x="838200" y="2513508"/>
-            <a:ext cx="5181600" cy="2975572"/>
+            <a:off x="6172200" y="2980563"/>
+            <a:ext cx="5181600" cy="2041461"/>
           </a:xfrm>
         </p:spPr>
       </p:pic>
       <p:pic>
         <p:nvPicPr>
-          <p:cNvPr id="8" name="Content Placeholder 7">
-            <a:extLst>
-              <a:ext uri="{FF2B5EF4-FFF2-40B4-BE49-F238E27FC236}">
-                <a16:creationId xmlns:a16="http://schemas.microsoft.com/office/drawing/2014/main" id="{200A4E37-2205-1749-A553-77D283D39DF5}"/>
+          <p:cNvPr id="12" name="Content Placeholder 11">
+            <a:extLst>
+              <a:ext uri="{FF2B5EF4-FFF2-40B4-BE49-F238E27FC236}">
+                <a16:creationId xmlns:a16="http://schemas.microsoft.com/office/drawing/2014/main" id="{84CAF601-13B9-7146-B57C-3D942C760002}"/>
               </a:ext>
             </a:extLst>
           </p:cNvPr>
@@ -4066,7 +4030,7 @@
             <a:picLocks noGrp="1" noChangeAspect="1"/>
           </p:cNvPicPr>
           <p:nvPr>
-            <p:ph sz="half" idx="2"/>
+            <p:ph sz="half" idx="1"/>
           </p:nvPr>
         </p:nvPicPr>
         <p:blipFill>
@@ -4083,15 +4047,15 @@
         </p:blipFill>
         <p:spPr>
           <a:xfrm>
-            <a:off x="6172200" y="2424964"/>
-            <a:ext cx="5181600" cy="3152660"/>
+            <a:off x="838200" y="2919548"/>
+            <a:ext cx="5181600" cy="2163491"/>
           </a:xfrm>
         </p:spPr>
       </p:pic>
     </p:spTree>
     <p:extLst>
       <p:ext uri="{BB962C8B-B14F-4D97-AF65-F5344CB8AC3E}">
-        <p14:creationId xmlns:p14="http://schemas.microsoft.com/office/powerpoint/2010/main" val="1439883634"/>
+        <p14:creationId xmlns:p14="http://schemas.microsoft.com/office/powerpoint/2010/main" val="4199063087"/>
       </p:ext>
     </p:extLst>
   </p:cSld>
@@ -4141,65 +4105,85 @@
           <a:p>
             <a:r>
               <a:rPr lang="en-US" dirty="0"/>
-              <a:t>Case 2: 100 Simulations</a:t>
-            </a:r>
-          </a:p>
-        </p:txBody>
-      </p:sp>
-      <p:sp>
-        <p:nvSpPr>
-          <p:cNvPr id="4" name="Content Placeholder 3">
-            <a:extLst>
-              <a:ext uri="{FF2B5EF4-FFF2-40B4-BE49-F238E27FC236}">
-                <a16:creationId xmlns:a16="http://schemas.microsoft.com/office/drawing/2014/main" id="{C9A64181-1F68-1D4D-A18F-759218FAEE13}"/>
-              </a:ext>
-            </a:extLst>
-          </p:cNvPr>
-          <p:cNvSpPr>
-            <a:spLocks noGrp="1"/>
-          </p:cNvSpPr>
+              <a:t>Case 2: 10 Simulations</a:t>
+            </a:r>
+          </a:p>
+        </p:txBody>
+      </p:sp>
+      <p:pic>
+        <p:nvPicPr>
+          <p:cNvPr id="6" name="Content Placeholder 5">
+            <a:extLst>
+              <a:ext uri="{FF2B5EF4-FFF2-40B4-BE49-F238E27FC236}">
+                <a16:creationId xmlns:a16="http://schemas.microsoft.com/office/drawing/2014/main" id="{9140D207-24B3-4F45-83D2-8AFDD21080D2}"/>
+              </a:ext>
+            </a:extLst>
+          </p:cNvPr>
+          <p:cNvPicPr>
+            <a:picLocks noGrp="1" noChangeAspect="1"/>
+          </p:cNvPicPr>
           <p:nvPr>
             <p:ph sz="half" idx="1"/>
           </p:nvPr>
-        </p:nvSpPr>
-        <p:spPr/>
-        <p:txBody>
-          <a:bodyPr/>
-          <a:lstStyle/>
-          <a:p>
-            <a:endParaRPr lang="en-US"/>
-          </a:p>
-        </p:txBody>
-      </p:sp>
-      <p:sp>
-        <p:nvSpPr>
-          <p:cNvPr id="5" name="Content Placeholder 4">
-            <a:extLst>
-              <a:ext uri="{FF2B5EF4-FFF2-40B4-BE49-F238E27FC236}">
-                <a16:creationId xmlns:a16="http://schemas.microsoft.com/office/drawing/2014/main" id="{841F6AA5-AFDE-6845-9E31-DA4CA4D426B2}"/>
-              </a:ext>
-            </a:extLst>
-          </p:cNvPr>
-          <p:cNvSpPr>
-            <a:spLocks noGrp="1"/>
-          </p:cNvSpPr>
+        </p:nvPicPr>
+        <p:blipFill>
+          <a:blip r:embed="rId2">
+            <a:extLst>
+              <a:ext uri="{28A0092B-C50C-407E-A947-70E740481C1C}">
+                <a14:useLocalDpi xmlns:a14="http://schemas.microsoft.com/office/drawing/2010/main" val="0"/>
+              </a:ext>
+            </a:extLst>
+          </a:blip>
+          <a:stretch>
+            <a:fillRect/>
+          </a:stretch>
+        </p:blipFill>
+        <p:spPr>
+          <a:xfrm>
+            <a:off x="838200" y="2511401"/>
+            <a:ext cx="5181600" cy="2979786"/>
+          </a:xfrm>
+        </p:spPr>
+      </p:pic>
+      <p:pic>
+        <p:nvPicPr>
+          <p:cNvPr id="8" name="Content Placeholder 7">
+            <a:extLst>
+              <a:ext uri="{FF2B5EF4-FFF2-40B4-BE49-F238E27FC236}">
+                <a16:creationId xmlns:a16="http://schemas.microsoft.com/office/drawing/2014/main" id="{504FEDD6-09B2-344E-88EB-6958593FF1F4}"/>
+              </a:ext>
+            </a:extLst>
+          </p:cNvPr>
+          <p:cNvPicPr>
+            <a:picLocks noGrp="1" noChangeAspect="1"/>
+          </p:cNvPicPr>
           <p:nvPr>
             <p:ph sz="half" idx="2"/>
           </p:nvPr>
-        </p:nvSpPr>
-        <p:spPr/>
-        <p:txBody>
-          <a:bodyPr/>
-          <a:lstStyle/>
-          <a:p>
-            <a:endParaRPr lang="en-US"/>
-          </a:p>
-        </p:txBody>
-      </p:sp>
+        </p:nvPicPr>
+        <p:blipFill>
+          <a:blip r:embed="rId3">
+            <a:extLst>
+              <a:ext uri="{28A0092B-C50C-407E-A947-70E740481C1C}">
+                <a14:useLocalDpi xmlns:a14="http://schemas.microsoft.com/office/drawing/2010/main" val="0"/>
+              </a:ext>
+            </a:extLst>
+          </a:blip>
+          <a:stretch>
+            <a:fillRect/>
+          </a:stretch>
+        </p:blipFill>
+        <p:spPr>
+          <a:xfrm>
+            <a:off x="6172200" y="2533906"/>
+            <a:ext cx="5181600" cy="2934776"/>
+          </a:xfrm>
+        </p:spPr>
+      </p:pic>
     </p:spTree>
     <p:extLst>
       <p:ext uri="{BB962C8B-B14F-4D97-AF65-F5344CB8AC3E}">
-        <p14:creationId xmlns:p14="http://schemas.microsoft.com/office/powerpoint/2010/main" val="155067824"/>
+        <p14:creationId xmlns:p14="http://schemas.microsoft.com/office/powerpoint/2010/main" val="1746196318"/>
       </p:ext>
     </p:extLst>
   </p:cSld>
@@ -4249,65 +4233,85 @@
           <a:p>
             <a:r>
               <a:rPr lang="en-US" dirty="0"/>
-              <a:t>Case 2: 100 Simulations</a:t>
-            </a:r>
-          </a:p>
-        </p:txBody>
-      </p:sp>
-      <p:sp>
-        <p:nvSpPr>
-          <p:cNvPr id="4" name="Content Placeholder 3">
-            <a:extLst>
-              <a:ext uri="{FF2B5EF4-FFF2-40B4-BE49-F238E27FC236}">
-                <a16:creationId xmlns:a16="http://schemas.microsoft.com/office/drawing/2014/main" id="{C9A64181-1F68-1D4D-A18F-759218FAEE13}"/>
-              </a:ext>
-            </a:extLst>
-          </p:cNvPr>
-          <p:cNvSpPr>
-            <a:spLocks noGrp="1"/>
-          </p:cNvSpPr>
+              <a:t>Case 2: 10 Simulations</a:t>
+            </a:r>
+          </a:p>
+        </p:txBody>
+      </p:sp>
+      <p:pic>
+        <p:nvPicPr>
+          <p:cNvPr id="6" name="Content Placeholder 5">
+            <a:extLst>
+              <a:ext uri="{FF2B5EF4-FFF2-40B4-BE49-F238E27FC236}">
+                <a16:creationId xmlns:a16="http://schemas.microsoft.com/office/drawing/2014/main" id="{9C28EEB4-E566-AC48-8C5E-AE01C6A850E2}"/>
+              </a:ext>
+            </a:extLst>
+          </p:cNvPr>
+          <p:cNvPicPr>
+            <a:picLocks noGrp="1" noChangeAspect="1"/>
+          </p:cNvPicPr>
           <p:nvPr>
             <p:ph sz="half" idx="1"/>
           </p:nvPr>
-        </p:nvSpPr>
-        <p:spPr/>
-        <p:txBody>
-          <a:bodyPr/>
-          <a:lstStyle/>
-          <a:p>
-            <a:endParaRPr lang="en-US"/>
-          </a:p>
-        </p:txBody>
-      </p:sp>
-      <p:sp>
-        <p:nvSpPr>
-          <p:cNvPr id="5" name="Content Placeholder 4">
-            <a:extLst>
-              <a:ext uri="{FF2B5EF4-FFF2-40B4-BE49-F238E27FC236}">
-                <a16:creationId xmlns:a16="http://schemas.microsoft.com/office/drawing/2014/main" id="{841F6AA5-AFDE-6845-9E31-DA4CA4D426B2}"/>
-              </a:ext>
-            </a:extLst>
-          </p:cNvPr>
-          <p:cNvSpPr>
-            <a:spLocks noGrp="1"/>
-          </p:cNvSpPr>
+        </p:nvPicPr>
+        <p:blipFill>
+          <a:blip r:embed="rId2">
+            <a:extLst>
+              <a:ext uri="{28A0092B-C50C-407E-A947-70E740481C1C}">
+                <a14:useLocalDpi xmlns:a14="http://schemas.microsoft.com/office/drawing/2010/main" val="0"/>
+              </a:ext>
+            </a:extLst>
+          </a:blip>
+          <a:stretch>
+            <a:fillRect/>
+          </a:stretch>
+        </p:blipFill>
+        <p:spPr>
+          <a:xfrm>
+            <a:off x="838200" y="2513508"/>
+            <a:ext cx="5181600" cy="2975572"/>
+          </a:xfrm>
+        </p:spPr>
+      </p:pic>
+      <p:pic>
+        <p:nvPicPr>
+          <p:cNvPr id="8" name="Content Placeholder 7">
+            <a:extLst>
+              <a:ext uri="{FF2B5EF4-FFF2-40B4-BE49-F238E27FC236}">
+                <a16:creationId xmlns:a16="http://schemas.microsoft.com/office/drawing/2014/main" id="{200A4E37-2205-1749-A553-77D283D39DF5}"/>
+              </a:ext>
+            </a:extLst>
+          </p:cNvPr>
+          <p:cNvPicPr>
+            <a:picLocks noGrp="1" noChangeAspect="1"/>
+          </p:cNvPicPr>
           <p:nvPr>
             <p:ph sz="half" idx="2"/>
           </p:nvPr>
-        </p:nvSpPr>
-        <p:spPr/>
-        <p:txBody>
-          <a:bodyPr/>
-          <a:lstStyle/>
-          <a:p>
-            <a:endParaRPr lang="en-US"/>
-          </a:p>
-        </p:txBody>
-      </p:sp>
+        </p:nvPicPr>
+        <p:blipFill>
+          <a:blip r:embed="rId3">
+            <a:extLst>
+              <a:ext uri="{28A0092B-C50C-407E-A947-70E740481C1C}">
+                <a14:useLocalDpi xmlns:a14="http://schemas.microsoft.com/office/drawing/2010/main" val="0"/>
+              </a:ext>
+            </a:extLst>
+          </a:blip>
+          <a:stretch>
+            <a:fillRect/>
+          </a:stretch>
+        </p:blipFill>
+        <p:spPr>
+          <a:xfrm>
+            <a:off x="6172200" y="2424964"/>
+            <a:ext cx="5181600" cy="3152660"/>
+          </a:xfrm>
+        </p:spPr>
+      </p:pic>
     </p:spTree>
     <p:extLst>
       <p:ext uri="{BB962C8B-B14F-4D97-AF65-F5344CB8AC3E}">
-        <p14:creationId xmlns:p14="http://schemas.microsoft.com/office/powerpoint/2010/main" val="2152418429"/>
+        <p14:creationId xmlns:p14="http://schemas.microsoft.com/office/powerpoint/2010/main" val="1439883634"/>
       </p:ext>
     </p:extLst>
   </p:cSld>
@@ -4362,60 +4366,80 @@
           </a:p>
         </p:txBody>
       </p:sp>
-      <p:sp>
-        <p:nvSpPr>
-          <p:cNvPr id="4" name="Content Placeholder 3">
-            <a:extLst>
-              <a:ext uri="{FF2B5EF4-FFF2-40B4-BE49-F238E27FC236}">
-                <a16:creationId xmlns:a16="http://schemas.microsoft.com/office/drawing/2014/main" id="{C9A64181-1F68-1D4D-A18F-759218FAEE13}"/>
-              </a:ext>
-            </a:extLst>
-          </p:cNvPr>
-          <p:cNvSpPr>
-            <a:spLocks noGrp="1"/>
-          </p:cNvSpPr>
+      <p:pic>
+        <p:nvPicPr>
+          <p:cNvPr id="8" name="Content Placeholder 7">
+            <a:extLst>
+              <a:ext uri="{FF2B5EF4-FFF2-40B4-BE49-F238E27FC236}">
+                <a16:creationId xmlns:a16="http://schemas.microsoft.com/office/drawing/2014/main" id="{9BA0FB5D-A463-5945-83CB-6FD221FFE811}"/>
+              </a:ext>
+            </a:extLst>
+          </p:cNvPr>
+          <p:cNvPicPr>
+            <a:picLocks noGrp="1" noChangeAspect="1"/>
+          </p:cNvPicPr>
+          <p:nvPr>
+            <p:ph sz="half" idx="2"/>
+          </p:nvPr>
+        </p:nvPicPr>
+        <p:blipFill>
+          <a:blip r:embed="rId2">
+            <a:extLst>
+              <a:ext uri="{28A0092B-C50C-407E-A947-70E740481C1C}">
+                <a14:useLocalDpi xmlns:a14="http://schemas.microsoft.com/office/drawing/2010/main" val="0"/>
+              </a:ext>
+            </a:extLst>
+          </a:blip>
+          <a:stretch>
+            <a:fillRect/>
+          </a:stretch>
+        </p:blipFill>
+        <p:spPr>
+          <a:xfrm>
+            <a:off x="6172200" y="2966530"/>
+            <a:ext cx="5181600" cy="2069527"/>
+          </a:xfrm>
+        </p:spPr>
+      </p:pic>
+      <p:pic>
+        <p:nvPicPr>
+          <p:cNvPr id="12" name="Content Placeholder 11">
+            <a:extLst>
+              <a:ext uri="{FF2B5EF4-FFF2-40B4-BE49-F238E27FC236}">
+                <a16:creationId xmlns:a16="http://schemas.microsoft.com/office/drawing/2014/main" id="{BC7188C8-B641-8D4A-9665-56A436D1A003}"/>
+              </a:ext>
+            </a:extLst>
+          </p:cNvPr>
+          <p:cNvPicPr>
+            <a:picLocks noGrp="1" noChangeAspect="1"/>
+          </p:cNvPicPr>
           <p:nvPr>
             <p:ph sz="half" idx="1"/>
           </p:nvPr>
-        </p:nvSpPr>
-        <p:spPr/>
-        <p:txBody>
-          <a:bodyPr/>
-          <a:lstStyle/>
-          <a:p>
-            <a:endParaRPr lang="en-US"/>
-          </a:p>
-        </p:txBody>
-      </p:sp>
-      <p:sp>
-        <p:nvSpPr>
-          <p:cNvPr id="5" name="Content Placeholder 4">
-            <a:extLst>
-              <a:ext uri="{FF2B5EF4-FFF2-40B4-BE49-F238E27FC236}">
-                <a16:creationId xmlns:a16="http://schemas.microsoft.com/office/drawing/2014/main" id="{841F6AA5-AFDE-6845-9E31-DA4CA4D426B2}"/>
-              </a:ext>
-            </a:extLst>
-          </p:cNvPr>
-          <p:cNvSpPr>
-            <a:spLocks noGrp="1"/>
-          </p:cNvSpPr>
-          <p:nvPr>
-            <p:ph sz="half" idx="2"/>
-          </p:nvPr>
-        </p:nvSpPr>
-        <p:spPr/>
-        <p:txBody>
-          <a:bodyPr/>
-          <a:lstStyle/>
-          <a:p>
-            <a:endParaRPr lang="en-US"/>
-          </a:p>
-        </p:txBody>
-      </p:sp>
+        </p:nvPicPr>
+        <p:blipFill>
+          <a:blip r:embed="rId3">
+            <a:extLst>
+              <a:ext uri="{28A0092B-C50C-407E-A947-70E740481C1C}">
+                <a14:useLocalDpi xmlns:a14="http://schemas.microsoft.com/office/drawing/2010/main" val="0"/>
+              </a:ext>
+            </a:extLst>
+          </a:blip>
+          <a:stretch>
+            <a:fillRect/>
+          </a:stretch>
+        </p:blipFill>
+        <p:spPr>
+          <a:xfrm>
+            <a:off x="838200" y="2931769"/>
+            <a:ext cx="5181600" cy="2139050"/>
+          </a:xfrm>
+        </p:spPr>
+      </p:pic>
     </p:spTree>
     <p:extLst>
       <p:ext uri="{BB962C8B-B14F-4D97-AF65-F5344CB8AC3E}">
-        <p14:creationId xmlns:p14="http://schemas.microsoft.com/office/powerpoint/2010/main" val="1087182781"/>
+        <p14:creationId xmlns:p14="http://schemas.microsoft.com/office/powerpoint/2010/main" val="155067824"/>
       </p:ext>
     </p:extLst>
   </p:cSld>
@@ -4465,65 +4489,85 @@
           <a:p>
             <a:r>
               <a:rPr lang="en-US" dirty="0"/>
-              <a:t>Case 2: 1,000 Simulations</a:t>
-            </a:r>
-          </a:p>
-        </p:txBody>
-      </p:sp>
-      <p:sp>
-        <p:nvSpPr>
-          <p:cNvPr id="4" name="Content Placeholder 3">
-            <a:extLst>
-              <a:ext uri="{FF2B5EF4-FFF2-40B4-BE49-F238E27FC236}">
-                <a16:creationId xmlns:a16="http://schemas.microsoft.com/office/drawing/2014/main" id="{2DD015A9-E38A-4042-A26F-33B6483FD88B}"/>
-              </a:ext>
-            </a:extLst>
-          </p:cNvPr>
-          <p:cNvSpPr>
-            <a:spLocks noGrp="1"/>
-          </p:cNvSpPr>
+              <a:t>Case 2: 100 Simulations</a:t>
+            </a:r>
+          </a:p>
+        </p:txBody>
+      </p:sp>
+      <p:pic>
+        <p:nvPicPr>
+          <p:cNvPr id="6" name="Content Placeholder 5">
+            <a:extLst>
+              <a:ext uri="{FF2B5EF4-FFF2-40B4-BE49-F238E27FC236}">
+                <a16:creationId xmlns:a16="http://schemas.microsoft.com/office/drawing/2014/main" id="{645E6181-261B-5F48-A419-A6A0F9AAEA2C}"/>
+              </a:ext>
+            </a:extLst>
+          </p:cNvPr>
+          <p:cNvPicPr>
+            <a:picLocks noGrp="1" noChangeAspect="1"/>
+          </p:cNvPicPr>
           <p:nvPr>
             <p:ph sz="half" idx="1"/>
           </p:nvPr>
-        </p:nvSpPr>
-        <p:spPr/>
-        <p:txBody>
-          <a:bodyPr/>
-          <a:lstStyle/>
-          <a:p>
-            <a:endParaRPr lang="en-US"/>
-          </a:p>
-        </p:txBody>
-      </p:sp>
-      <p:sp>
-        <p:nvSpPr>
-          <p:cNvPr id="5" name="Content Placeholder 4">
-            <a:extLst>
-              <a:ext uri="{FF2B5EF4-FFF2-40B4-BE49-F238E27FC236}">
-                <a16:creationId xmlns:a16="http://schemas.microsoft.com/office/drawing/2014/main" id="{06630662-85C7-0C45-9A2B-8FF4BB9321A2}"/>
-              </a:ext>
-            </a:extLst>
-          </p:cNvPr>
-          <p:cNvSpPr>
-            <a:spLocks noGrp="1"/>
-          </p:cNvSpPr>
+        </p:nvPicPr>
+        <p:blipFill>
+          <a:blip r:embed="rId2">
+            <a:extLst>
+              <a:ext uri="{28A0092B-C50C-407E-A947-70E740481C1C}">
+                <a14:useLocalDpi xmlns:a14="http://schemas.microsoft.com/office/drawing/2010/main" val="0"/>
+              </a:ext>
+            </a:extLst>
+          </a:blip>
+          <a:stretch>
+            <a:fillRect/>
+          </a:stretch>
+        </p:blipFill>
+        <p:spPr>
+          <a:xfrm>
+            <a:off x="838200" y="2421062"/>
+            <a:ext cx="5181600" cy="3160463"/>
+          </a:xfrm>
+        </p:spPr>
+      </p:pic>
+      <p:pic>
+        <p:nvPicPr>
+          <p:cNvPr id="8" name="Content Placeholder 7">
+            <a:extLst>
+              <a:ext uri="{FF2B5EF4-FFF2-40B4-BE49-F238E27FC236}">
+                <a16:creationId xmlns:a16="http://schemas.microsoft.com/office/drawing/2014/main" id="{0F7EBD2C-E9EF-AC4C-A968-904DBAC2BB51}"/>
+              </a:ext>
+            </a:extLst>
+          </p:cNvPr>
+          <p:cNvPicPr>
+            <a:picLocks noGrp="1" noChangeAspect="1"/>
+          </p:cNvPicPr>
           <p:nvPr>
             <p:ph sz="half" idx="2"/>
           </p:nvPr>
-        </p:nvSpPr>
-        <p:spPr/>
-        <p:txBody>
-          <a:bodyPr/>
-          <a:lstStyle/>
-          <a:p>
-            <a:endParaRPr lang="en-US"/>
-          </a:p>
-        </p:txBody>
-      </p:sp>
+        </p:nvPicPr>
+        <p:blipFill>
+          <a:blip r:embed="rId3">
+            <a:extLst>
+              <a:ext uri="{28A0092B-C50C-407E-A947-70E740481C1C}">
+                <a14:useLocalDpi xmlns:a14="http://schemas.microsoft.com/office/drawing/2010/main" val="0"/>
+              </a:ext>
+            </a:extLst>
+          </a:blip>
+          <a:stretch>
+            <a:fillRect/>
+          </a:stretch>
+        </p:blipFill>
+        <p:spPr>
+          <a:xfrm>
+            <a:off x="6172200" y="2406956"/>
+            <a:ext cx="5181600" cy="3188676"/>
+          </a:xfrm>
+        </p:spPr>
+      </p:pic>
     </p:spTree>
     <p:extLst>
       <p:ext uri="{BB962C8B-B14F-4D97-AF65-F5344CB8AC3E}">
-        <p14:creationId xmlns:p14="http://schemas.microsoft.com/office/powerpoint/2010/main" val="3888277130"/>
+        <p14:creationId xmlns:p14="http://schemas.microsoft.com/office/powerpoint/2010/main" val="2152418429"/>
       </p:ext>
     </p:extLst>
   </p:cSld>
@@ -4641,6 +4685,458 @@
           <p:cNvPr id="2" name="Title 1">
             <a:extLst>
               <a:ext uri="{FF2B5EF4-FFF2-40B4-BE49-F238E27FC236}">
+                <a16:creationId xmlns:a16="http://schemas.microsoft.com/office/drawing/2014/main" id="{C0AF628F-F166-F74C-8E6D-DBDEA47A7605}"/>
+              </a:ext>
+            </a:extLst>
+          </p:cNvPr>
+          <p:cNvSpPr>
+            <a:spLocks noGrp="1"/>
+          </p:cNvSpPr>
+          <p:nvPr>
+            <p:ph type="title"/>
+          </p:nvPr>
+        </p:nvSpPr>
+        <p:spPr/>
+        <p:txBody>
+          <a:bodyPr/>
+          <a:lstStyle/>
+          <a:p>
+            <a:r>
+              <a:rPr lang="en-US" dirty="0"/>
+              <a:t>Case 2: 100 Simulations</a:t>
+            </a:r>
+          </a:p>
+        </p:txBody>
+      </p:sp>
+      <p:pic>
+        <p:nvPicPr>
+          <p:cNvPr id="6" name="Content Placeholder 5">
+            <a:extLst>
+              <a:ext uri="{FF2B5EF4-FFF2-40B4-BE49-F238E27FC236}">
+                <a16:creationId xmlns:a16="http://schemas.microsoft.com/office/drawing/2014/main" id="{0F99175B-E33C-D740-997F-21A7320D47AC}"/>
+              </a:ext>
+            </a:extLst>
+          </p:cNvPr>
+          <p:cNvPicPr>
+            <a:picLocks noGrp="1" noChangeAspect="1"/>
+          </p:cNvPicPr>
+          <p:nvPr>
+            <p:ph sz="half" idx="1"/>
+          </p:nvPr>
+        </p:nvPicPr>
+        <p:blipFill>
+          <a:blip r:embed="rId2">
+            <a:extLst>
+              <a:ext uri="{28A0092B-C50C-407E-A947-70E740481C1C}">
+                <a14:useLocalDpi xmlns:a14="http://schemas.microsoft.com/office/drawing/2010/main" val="0"/>
+              </a:ext>
+            </a:extLst>
+          </a:blip>
+          <a:stretch>
+            <a:fillRect/>
+          </a:stretch>
+        </p:blipFill>
+        <p:spPr>
+          <a:xfrm>
+            <a:off x="838200" y="2417160"/>
+            <a:ext cx="5181600" cy="3168267"/>
+          </a:xfrm>
+        </p:spPr>
+      </p:pic>
+      <p:pic>
+        <p:nvPicPr>
+          <p:cNvPr id="8" name="Content Placeholder 7">
+            <a:extLst>
+              <a:ext uri="{FF2B5EF4-FFF2-40B4-BE49-F238E27FC236}">
+                <a16:creationId xmlns:a16="http://schemas.microsoft.com/office/drawing/2014/main" id="{AD2A7980-81B5-0C49-8734-4F237A2E7D37}"/>
+              </a:ext>
+            </a:extLst>
+          </p:cNvPr>
+          <p:cNvPicPr>
+            <a:picLocks noGrp="1" noChangeAspect="1"/>
+          </p:cNvPicPr>
+          <p:nvPr>
+            <p:ph sz="half" idx="2"/>
+          </p:nvPr>
+        </p:nvPicPr>
+        <p:blipFill>
+          <a:blip r:embed="rId3">
+            <a:extLst>
+              <a:ext uri="{28A0092B-C50C-407E-A947-70E740481C1C}">
+                <a14:useLocalDpi xmlns:a14="http://schemas.microsoft.com/office/drawing/2010/main" val="0"/>
+              </a:ext>
+            </a:extLst>
+          </a:blip>
+          <a:stretch>
+            <a:fillRect/>
+          </a:stretch>
+        </p:blipFill>
+        <p:spPr>
+          <a:xfrm>
+            <a:off x="6172200" y="2423438"/>
+            <a:ext cx="5181600" cy="3155711"/>
+          </a:xfrm>
+        </p:spPr>
+      </p:pic>
+    </p:spTree>
+    <p:extLst>
+      <p:ext uri="{BB962C8B-B14F-4D97-AF65-F5344CB8AC3E}">
+        <p14:creationId xmlns:p14="http://schemas.microsoft.com/office/powerpoint/2010/main" val="1087182781"/>
+      </p:ext>
+    </p:extLst>
+  </p:cSld>
+  <p:clrMapOvr>
+    <a:masterClrMapping/>
+  </p:clrMapOvr>
+</p:sld>
+</file>
+
+<file path=ppt/slides/slide21.xml><?xml version="1.0" encoding="utf-8"?>
+<p:sld xmlns:a="http://schemas.openxmlformats.org/drawingml/2006/main" xmlns:r="http://schemas.openxmlformats.org/officeDocument/2006/relationships" xmlns:p="http://schemas.openxmlformats.org/presentationml/2006/main">
+  <p:cSld>
+    <p:spTree>
+      <p:nvGrpSpPr>
+        <p:cNvPr id="1" name=""/>
+        <p:cNvGrpSpPr/>
+        <p:nvPr/>
+      </p:nvGrpSpPr>
+      <p:grpSpPr>
+        <a:xfrm>
+          <a:off x="0" y="0"/>
+          <a:ext cx="0" cy="0"/>
+          <a:chOff x="0" y="0"/>
+          <a:chExt cx="0" cy="0"/>
+        </a:xfrm>
+      </p:grpSpPr>
+      <p:sp>
+        <p:nvSpPr>
+          <p:cNvPr id="2" name="Title 1">
+            <a:extLst>
+              <a:ext uri="{FF2B5EF4-FFF2-40B4-BE49-F238E27FC236}">
+                <a16:creationId xmlns:a16="http://schemas.microsoft.com/office/drawing/2014/main" id="{C0AF628F-F166-F74C-8E6D-DBDEA47A7605}"/>
+              </a:ext>
+            </a:extLst>
+          </p:cNvPr>
+          <p:cNvSpPr>
+            <a:spLocks noGrp="1"/>
+          </p:cNvSpPr>
+          <p:nvPr>
+            <p:ph type="title"/>
+          </p:nvPr>
+        </p:nvSpPr>
+        <p:spPr/>
+        <p:txBody>
+          <a:bodyPr/>
+          <a:lstStyle/>
+          <a:p>
+            <a:r>
+              <a:rPr lang="en-US" dirty="0"/>
+              <a:t>Case 2: 1,000 Simulations</a:t>
+            </a:r>
+          </a:p>
+        </p:txBody>
+      </p:sp>
+      <p:sp>
+        <p:nvSpPr>
+          <p:cNvPr id="4" name="Content Placeholder 3">
+            <a:extLst>
+              <a:ext uri="{FF2B5EF4-FFF2-40B4-BE49-F238E27FC236}">
+                <a16:creationId xmlns:a16="http://schemas.microsoft.com/office/drawing/2014/main" id="{2DD015A9-E38A-4042-A26F-33B6483FD88B}"/>
+              </a:ext>
+            </a:extLst>
+          </p:cNvPr>
+          <p:cNvSpPr>
+            <a:spLocks noGrp="1"/>
+          </p:cNvSpPr>
+          <p:nvPr>
+            <p:ph sz="half" idx="1"/>
+          </p:nvPr>
+        </p:nvSpPr>
+        <p:spPr/>
+        <p:txBody>
+          <a:bodyPr/>
+          <a:lstStyle/>
+          <a:p>
+            <a:endParaRPr lang="en-US"/>
+          </a:p>
+        </p:txBody>
+      </p:sp>
+      <p:sp>
+        <p:nvSpPr>
+          <p:cNvPr id="5" name="Content Placeholder 4">
+            <a:extLst>
+              <a:ext uri="{FF2B5EF4-FFF2-40B4-BE49-F238E27FC236}">
+                <a16:creationId xmlns:a16="http://schemas.microsoft.com/office/drawing/2014/main" id="{06630662-85C7-0C45-9A2B-8FF4BB9321A2}"/>
+              </a:ext>
+            </a:extLst>
+          </p:cNvPr>
+          <p:cNvSpPr>
+            <a:spLocks noGrp="1"/>
+          </p:cNvSpPr>
+          <p:nvPr>
+            <p:ph sz="half" idx="2"/>
+          </p:nvPr>
+        </p:nvSpPr>
+        <p:spPr/>
+        <p:txBody>
+          <a:bodyPr/>
+          <a:lstStyle/>
+          <a:p>
+            <a:endParaRPr lang="en-US"/>
+          </a:p>
+        </p:txBody>
+      </p:sp>
+    </p:spTree>
+    <p:extLst>
+      <p:ext uri="{BB962C8B-B14F-4D97-AF65-F5344CB8AC3E}">
+        <p14:creationId xmlns:p14="http://schemas.microsoft.com/office/powerpoint/2010/main" val="3888277130"/>
+      </p:ext>
+    </p:extLst>
+  </p:cSld>
+  <p:clrMapOvr>
+    <a:masterClrMapping/>
+  </p:clrMapOvr>
+</p:sld>
+</file>
+
+<file path=ppt/slides/slide22.xml><?xml version="1.0" encoding="utf-8"?>
+<p:sld xmlns:a="http://schemas.openxmlformats.org/drawingml/2006/main" xmlns:r="http://schemas.openxmlformats.org/officeDocument/2006/relationships" xmlns:p="http://schemas.openxmlformats.org/presentationml/2006/main">
+  <p:cSld>
+    <p:spTree>
+      <p:nvGrpSpPr>
+        <p:cNvPr id="1" name=""/>
+        <p:cNvGrpSpPr/>
+        <p:nvPr/>
+      </p:nvGrpSpPr>
+      <p:grpSpPr>
+        <a:xfrm>
+          <a:off x="0" y="0"/>
+          <a:ext cx="0" cy="0"/>
+          <a:chOff x="0" y="0"/>
+          <a:chExt cx="0" cy="0"/>
+        </a:xfrm>
+      </p:grpSpPr>
+      <p:sp>
+        <p:nvSpPr>
+          <p:cNvPr id="2" name="Title 1">
+            <a:extLst>
+              <a:ext uri="{FF2B5EF4-FFF2-40B4-BE49-F238E27FC236}">
+                <a16:creationId xmlns:a16="http://schemas.microsoft.com/office/drawing/2014/main" id="{C0AF628F-F166-F74C-8E6D-DBDEA47A7605}"/>
+              </a:ext>
+            </a:extLst>
+          </p:cNvPr>
+          <p:cNvSpPr>
+            <a:spLocks noGrp="1"/>
+          </p:cNvSpPr>
+          <p:nvPr>
+            <p:ph type="title"/>
+          </p:nvPr>
+        </p:nvSpPr>
+        <p:spPr/>
+        <p:txBody>
+          <a:bodyPr/>
+          <a:lstStyle/>
+          <a:p>
+            <a:r>
+              <a:rPr lang="en-US" dirty="0"/>
+              <a:t>Case 2: 1,000 Simulations</a:t>
+            </a:r>
+          </a:p>
+        </p:txBody>
+      </p:sp>
+      <p:sp>
+        <p:nvSpPr>
+          <p:cNvPr id="4" name="Content Placeholder 3">
+            <a:extLst>
+              <a:ext uri="{FF2B5EF4-FFF2-40B4-BE49-F238E27FC236}">
+                <a16:creationId xmlns:a16="http://schemas.microsoft.com/office/drawing/2014/main" id="{2DD015A9-E38A-4042-A26F-33B6483FD88B}"/>
+              </a:ext>
+            </a:extLst>
+          </p:cNvPr>
+          <p:cNvSpPr>
+            <a:spLocks noGrp="1"/>
+          </p:cNvSpPr>
+          <p:nvPr>
+            <p:ph sz="half" idx="1"/>
+          </p:nvPr>
+        </p:nvSpPr>
+        <p:spPr/>
+        <p:txBody>
+          <a:bodyPr/>
+          <a:lstStyle/>
+          <a:p>
+            <a:endParaRPr lang="en-US"/>
+          </a:p>
+        </p:txBody>
+      </p:sp>
+      <p:sp>
+        <p:nvSpPr>
+          <p:cNvPr id="5" name="Content Placeholder 4">
+            <a:extLst>
+              <a:ext uri="{FF2B5EF4-FFF2-40B4-BE49-F238E27FC236}">
+                <a16:creationId xmlns:a16="http://schemas.microsoft.com/office/drawing/2014/main" id="{06630662-85C7-0C45-9A2B-8FF4BB9321A2}"/>
+              </a:ext>
+            </a:extLst>
+          </p:cNvPr>
+          <p:cNvSpPr>
+            <a:spLocks noGrp="1"/>
+          </p:cNvSpPr>
+          <p:nvPr>
+            <p:ph sz="half" idx="2"/>
+          </p:nvPr>
+        </p:nvSpPr>
+        <p:spPr/>
+        <p:txBody>
+          <a:bodyPr/>
+          <a:lstStyle/>
+          <a:p>
+            <a:endParaRPr lang="en-US"/>
+          </a:p>
+        </p:txBody>
+      </p:sp>
+    </p:spTree>
+    <p:extLst>
+      <p:ext uri="{BB962C8B-B14F-4D97-AF65-F5344CB8AC3E}">
+        <p14:creationId xmlns:p14="http://schemas.microsoft.com/office/powerpoint/2010/main" val="3774521656"/>
+      </p:ext>
+    </p:extLst>
+  </p:cSld>
+  <p:clrMapOvr>
+    <a:masterClrMapping/>
+  </p:clrMapOvr>
+</p:sld>
+</file>
+
+<file path=ppt/slides/slide23.xml><?xml version="1.0" encoding="utf-8"?>
+<p:sld xmlns:a="http://schemas.openxmlformats.org/drawingml/2006/main" xmlns:r="http://schemas.openxmlformats.org/officeDocument/2006/relationships" xmlns:p="http://schemas.openxmlformats.org/presentationml/2006/main">
+  <p:cSld>
+    <p:spTree>
+      <p:nvGrpSpPr>
+        <p:cNvPr id="1" name=""/>
+        <p:cNvGrpSpPr/>
+        <p:nvPr/>
+      </p:nvGrpSpPr>
+      <p:grpSpPr>
+        <a:xfrm>
+          <a:off x="0" y="0"/>
+          <a:ext cx="0" cy="0"/>
+          <a:chOff x="0" y="0"/>
+          <a:chExt cx="0" cy="0"/>
+        </a:xfrm>
+      </p:grpSpPr>
+      <p:sp>
+        <p:nvSpPr>
+          <p:cNvPr id="2" name="Title 1">
+            <a:extLst>
+              <a:ext uri="{FF2B5EF4-FFF2-40B4-BE49-F238E27FC236}">
+                <a16:creationId xmlns:a16="http://schemas.microsoft.com/office/drawing/2014/main" id="{C0AF628F-F166-F74C-8E6D-DBDEA47A7605}"/>
+              </a:ext>
+            </a:extLst>
+          </p:cNvPr>
+          <p:cNvSpPr>
+            <a:spLocks noGrp="1"/>
+          </p:cNvSpPr>
+          <p:nvPr>
+            <p:ph type="title"/>
+          </p:nvPr>
+        </p:nvSpPr>
+        <p:spPr/>
+        <p:txBody>
+          <a:bodyPr/>
+          <a:lstStyle/>
+          <a:p>
+            <a:r>
+              <a:rPr lang="en-US" dirty="0"/>
+              <a:t>Case 2: 1,000 Simulations</a:t>
+            </a:r>
+          </a:p>
+        </p:txBody>
+      </p:sp>
+      <p:sp>
+        <p:nvSpPr>
+          <p:cNvPr id="4" name="Content Placeholder 3">
+            <a:extLst>
+              <a:ext uri="{FF2B5EF4-FFF2-40B4-BE49-F238E27FC236}">
+                <a16:creationId xmlns:a16="http://schemas.microsoft.com/office/drawing/2014/main" id="{2DD015A9-E38A-4042-A26F-33B6483FD88B}"/>
+              </a:ext>
+            </a:extLst>
+          </p:cNvPr>
+          <p:cNvSpPr>
+            <a:spLocks noGrp="1"/>
+          </p:cNvSpPr>
+          <p:nvPr>
+            <p:ph sz="half" idx="1"/>
+          </p:nvPr>
+        </p:nvSpPr>
+        <p:spPr/>
+        <p:txBody>
+          <a:bodyPr/>
+          <a:lstStyle/>
+          <a:p>
+            <a:endParaRPr lang="en-US"/>
+          </a:p>
+        </p:txBody>
+      </p:sp>
+      <p:sp>
+        <p:nvSpPr>
+          <p:cNvPr id="5" name="Content Placeholder 4">
+            <a:extLst>
+              <a:ext uri="{FF2B5EF4-FFF2-40B4-BE49-F238E27FC236}">
+                <a16:creationId xmlns:a16="http://schemas.microsoft.com/office/drawing/2014/main" id="{06630662-85C7-0C45-9A2B-8FF4BB9321A2}"/>
+              </a:ext>
+            </a:extLst>
+          </p:cNvPr>
+          <p:cNvSpPr>
+            <a:spLocks noGrp="1"/>
+          </p:cNvSpPr>
+          <p:nvPr>
+            <p:ph sz="half" idx="2"/>
+          </p:nvPr>
+        </p:nvSpPr>
+        <p:spPr/>
+        <p:txBody>
+          <a:bodyPr/>
+          <a:lstStyle/>
+          <a:p>
+            <a:endParaRPr lang="en-US"/>
+          </a:p>
+        </p:txBody>
+      </p:sp>
+    </p:spTree>
+    <p:extLst>
+      <p:ext uri="{BB962C8B-B14F-4D97-AF65-F5344CB8AC3E}">
+        <p14:creationId xmlns:p14="http://schemas.microsoft.com/office/powerpoint/2010/main" val="3473754364"/>
+      </p:ext>
+    </p:extLst>
+  </p:cSld>
+  <p:clrMapOvr>
+    <a:masterClrMapping/>
+  </p:clrMapOvr>
+</p:sld>
+</file>
+
+<file path=ppt/slides/slide24.xml><?xml version="1.0" encoding="utf-8"?>
+<p:sld xmlns:a="http://schemas.openxmlformats.org/drawingml/2006/main" xmlns:r="http://schemas.openxmlformats.org/officeDocument/2006/relationships" xmlns:p="http://schemas.openxmlformats.org/presentationml/2006/main">
+  <p:cSld>
+    <p:spTree>
+      <p:nvGrpSpPr>
+        <p:cNvPr id="1" name=""/>
+        <p:cNvGrpSpPr/>
+        <p:nvPr/>
+      </p:nvGrpSpPr>
+      <p:grpSpPr>
+        <a:xfrm>
+          <a:off x="0" y="0"/>
+          <a:ext cx="0" cy="0"/>
+          <a:chOff x="0" y="0"/>
+          <a:chExt cx="0" cy="0"/>
+        </a:xfrm>
+      </p:grpSpPr>
+      <p:sp>
+        <p:nvSpPr>
+          <p:cNvPr id="2" name="Title 1">
+            <a:extLst>
+              <a:ext uri="{FF2B5EF4-FFF2-40B4-BE49-F238E27FC236}">
                 <a16:creationId xmlns:a16="http://schemas.microsoft.com/office/drawing/2014/main" id="{B776CB71-896F-234C-87C7-301F4ECF04EA}"/>
               </a:ext>
             </a:extLst>
@@ -4727,7 +5223,7 @@
 </p:sld>
 </file>
 
-<file path=ppt/slides/slide21.xml><?xml version="1.0" encoding="utf-8"?>
+<file path=ppt/slides/slide25.xml><?xml version="1.0" encoding="utf-8"?>
 <p:sld xmlns:a="http://schemas.openxmlformats.org/drawingml/2006/main" xmlns:r="http://schemas.openxmlformats.org/officeDocument/2006/relationships" xmlns:p="http://schemas.openxmlformats.org/presentationml/2006/main">
   <p:cSld>
     <p:spTree>

--- a/GUI/Version4/Capstone Results.pptx
+++ b/GUI/Version4/Capstone Results.pptx
@@ -3464,56 +3464,76 @@
           </a:p>
         </p:txBody>
       </p:sp>
-      <p:sp>
-        <p:nvSpPr>
-          <p:cNvPr id="4" name="Content Placeholder 3">
-            <a:extLst>
-              <a:ext uri="{FF2B5EF4-FFF2-40B4-BE49-F238E27FC236}">
-                <a16:creationId xmlns:a16="http://schemas.microsoft.com/office/drawing/2014/main" id="{2DD015A9-E38A-4042-A26F-33B6483FD88B}"/>
-              </a:ext>
-            </a:extLst>
-          </p:cNvPr>
-          <p:cNvSpPr>
-            <a:spLocks noGrp="1"/>
-          </p:cNvSpPr>
+      <p:pic>
+        <p:nvPicPr>
+          <p:cNvPr id="6" name="Content Placeholder 5">
+            <a:extLst>
+              <a:ext uri="{FF2B5EF4-FFF2-40B4-BE49-F238E27FC236}">
+                <a16:creationId xmlns:a16="http://schemas.microsoft.com/office/drawing/2014/main" id="{CF580CAD-25BB-8A41-8BF1-360F5E61A686}"/>
+              </a:ext>
+            </a:extLst>
+          </p:cNvPr>
+          <p:cNvPicPr>
+            <a:picLocks noGrp="1" noChangeAspect="1"/>
+          </p:cNvPicPr>
           <p:nvPr>
             <p:ph sz="half" idx="1"/>
           </p:nvPr>
-        </p:nvSpPr>
-        <p:spPr/>
-        <p:txBody>
-          <a:bodyPr/>
-          <a:lstStyle/>
-          <a:p>
-            <a:endParaRPr lang="en-US"/>
-          </a:p>
-        </p:txBody>
-      </p:sp>
-      <p:sp>
-        <p:nvSpPr>
-          <p:cNvPr id="5" name="Content Placeholder 4">
-            <a:extLst>
-              <a:ext uri="{FF2B5EF4-FFF2-40B4-BE49-F238E27FC236}">
-                <a16:creationId xmlns:a16="http://schemas.microsoft.com/office/drawing/2014/main" id="{06630662-85C7-0C45-9A2B-8FF4BB9321A2}"/>
-              </a:ext>
-            </a:extLst>
-          </p:cNvPr>
-          <p:cNvSpPr>
-            <a:spLocks noGrp="1"/>
-          </p:cNvSpPr>
+        </p:nvPicPr>
+        <p:blipFill>
+          <a:blip r:embed="rId2">
+            <a:extLst>
+              <a:ext uri="{28A0092B-C50C-407E-A947-70E740481C1C}">
+                <a14:useLocalDpi xmlns:a14="http://schemas.microsoft.com/office/drawing/2010/main" val="0"/>
+              </a:ext>
+            </a:extLst>
+          </a:blip>
+          <a:stretch>
+            <a:fillRect/>
+          </a:stretch>
+        </p:blipFill>
+        <p:spPr>
+          <a:xfrm>
+            <a:off x="838200" y="2414771"/>
+            <a:ext cx="5181600" cy="3173046"/>
+          </a:xfrm>
+        </p:spPr>
+      </p:pic>
+      <p:pic>
+        <p:nvPicPr>
+          <p:cNvPr id="8" name="Content Placeholder 7">
+            <a:extLst>
+              <a:ext uri="{FF2B5EF4-FFF2-40B4-BE49-F238E27FC236}">
+                <a16:creationId xmlns:a16="http://schemas.microsoft.com/office/drawing/2014/main" id="{5E042C75-61F9-CD4B-B9B2-FD931F6B54C8}"/>
+              </a:ext>
+            </a:extLst>
+          </p:cNvPr>
+          <p:cNvPicPr>
+            <a:picLocks noGrp="1" noChangeAspect="1"/>
+          </p:cNvPicPr>
           <p:nvPr>
             <p:ph sz="half" idx="2"/>
           </p:nvPr>
-        </p:nvSpPr>
-        <p:spPr/>
-        <p:txBody>
-          <a:bodyPr/>
-          <a:lstStyle/>
-          <a:p>
-            <a:endParaRPr lang="en-US"/>
-          </a:p>
-        </p:txBody>
-      </p:sp>
+        </p:nvPicPr>
+        <p:blipFill>
+          <a:blip r:embed="rId3">
+            <a:extLst>
+              <a:ext uri="{28A0092B-C50C-407E-A947-70E740481C1C}">
+                <a14:useLocalDpi xmlns:a14="http://schemas.microsoft.com/office/drawing/2010/main" val="0"/>
+              </a:ext>
+            </a:extLst>
+          </a:blip>
+          <a:stretch>
+            <a:fillRect/>
+          </a:stretch>
+        </p:blipFill>
+        <p:spPr>
+          <a:xfrm>
+            <a:off x="6172200" y="2418679"/>
+            <a:ext cx="5181600" cy="3165230"/>
+          </a:xfrm>
+        </p:spPr>
+      </p:pic>
     </p:spTree>
     <p:extLst>
       <p:ext uri="{BB962C8B-B14F-4D97-AF65-F5344CB8AC3E}">
@@ -3572,56 +3592,76 @@
           </a:p>
         </p:txBody>
       </p:sp>
-      <p:sp>
-        <p:nvSpPr>
-          <p:cNvPr id="4" name="Content Placeholder 3">
-            <a:extLst>
-              <a:ext uri="{FF2B5EF4-FFF2-40B4-BE49-F238E27FC236}">
-                <a16:creationId xmlns:a16="http://schemas.microsoft.com/office/drawing/2014/main" id="{2DD015A9-E38A-4042-A26F-33B6483FD88B}"/>
-              </a:ext>
-            </a:extLst>
-          </p:cNvPr>
-          <p:cNvSpPr>
-            <a:spLocks noGrp="1"/>
-          </p:cNvSpPr>
+      <p:pic>
+        <p:nvPicPr>
+          <p:cNvPr id="6" name="Content Placeholder 5">
+            <a:extLst>
+              <a:ext uri="{FF2B5EF4-FFF2-40B4-BE49-F238E27FC236}">
+                <a16:creationId xmlns:a16="http://schemas.microsoft.com/office/drawing/2014/main" id="{FD80BC38-B512-7345-8467-C85A392EF3AB}"/>
+              </a:ext>
+            </a:extLst>
+          </p:cNvPr>
+          <p:cNvPicPr>
+            <a:picLocks noGrp="1" noChangeAspect="1"/>
+          </p:cNvPicPr>
           <p:nvPr>
             <p:ph sz="half" idx="1"/>
           </p:nvPr>
-        </p:nvSpPr>
-        <p:spPr/>
-        <p:txBody>
-          <a:bodyPr/>
-          <a:lstStyle/>
-          <a:p>
-            <a:endParaRPr lang="en-US"/>
-          </a:p>
-        </p:txBody>
-      </p:sp>
-      <p:sp>
-        <p:nvSpPr>
-          <p:cNvPr id="5" name="Content Placeholder 4">
-            <a:extLst>
-              <a:ext uri="{FF2B5EF4-FFF2-40B4-BE49-F238E27FC236}">
-                <a16:creationId xmlns:a16="http://schemas.microsoft.com/office/drawing/2014/main" id="{06630662-85C7-0C45-9A2B-8FF4BB9321A2}"/>
-              </a:ext>
-            </a:extLst>
-          </p:cNvPr>
-          <p:cNvSpPr>
-            <a:spLocks noGrp="1"/>
-          </p:cNvSpPr>
+        </p:nvPicPr>
+        <p:blipFill>
+          <a:blip r:embed="rId2">
+            <a:extLst>
+              <a:ext uri="{28A0092B-C50C-407E-A947-70E740481C1C}">
+                <a14:useLocalDpi xmlns:a14="http://schemas.microsoft.com/office/drawing/2010/main" val="0"/>
+              </a:ext>
+            </a:extLst>
+          </a:blip>
+          <a:stretch>
+            <a:fillRect/>
+          </a:stretch>
+        </p:blipFill>
+        <p:spPr>
+          <a:xfrm>
+            <a:off x="838200" y="2421062"/>
+            <a:ext cx="5181600" cy="3160463"/>
+          </a:xfrm>
+        </p:spPr>
+      </p:pic>
+      <p:pic>
+        <p:nvPicPr>
+          <p:cNvPr id="8" name="Content Placeholder 7">
+            <a:extLst>
+              <a:ext uri="{FF2B5EF4-FFF2-40B4-BE49-F238E27FC236}">
+                <a16:creationId xmlns:a16="http://schemas.microsoft.com/office/drawing/2014/main" id="{9D00D3B0-3108-6047-B4BB-F5F860705441}"/>
+              </a:ext>
+            </a:extLst>
+          </p:cNvPr>
+          <p:cNvPicPr>
+            <a:picLocks noGrp="1" noChangeAspect="1"/>
+          </p:cNvPicPr>
           <p:nvPr>
             <p:ph sz="half" idx="2"/>
           </p:nvPr>
-        </p:nvSpPr>
-        <p:spPr/>
-        <p:txBody>
-          <a:bodyPr/>
-          <a:lstStyle/>
-          <a:p>
-            <a:endParaRPr lang="en-US"/>
-          </a:p>
-        </p:txBody>
-      </p:sp>
+        </p:nvPicPr>
+        <p:blipFill>
+          <a:blip r:embed="rId3">
+            <a:extLst>
+              <a:ext uri="{28A0092B-C50C-407E-A947-70E740481C1C}">
+                <a14:useLocalDpi xmlns:a14="http://schemas.microsoft.com/office/drawing/2010/main" val="0"/>
+              </a:ext>
+            </a:extLst>
+          </a:blip>
+          <a:stretch>
+            <a:fillRect/>
+          </a:stretch>
+        </p:blipFill>
+        <p:spPr>
+          <a:xfrm>
+            <a:off x="6172200" y="2417160"/>
+            <a:ext cx="5181600" cy="3168267"/>
+          </a:xfrm>
+        </p:spPr>
+      </p:pic>
     </p:spTree>
     <p:extLst>
       <p:ext uri="{BB962C8B-B14F-4D97-AF65-F5344CB8AC3E}">
@@ -6144,56 +6184,76 @@
           </a:p>
         </p:txBody>
       </p:sp>
-      <p:sp>
-        <p:nvSpPr>
-          <p:cNvPr id="4" name="Content Placeholder 3">
-            <a:extLst>
-              <a:ext uri="{FF2B5EF4-FFF2-40B4-BE49-F238E27FC236}">
-                <a16:creationId xmlns:a16="http://schemas.microsoft.com/office/drawing/2014/main" id="{2DD015A9-E38A-4042-A26F-33B6483FD88B}"/>
-              </a:ext>
-            </a:extLst>
-          </p:cNvPr>
-          <p:cNvSpPr>
-            <a:spLocks noGrp="1"/>
-          </p:cNvSpPr>
+      <p:pic>
+        <p:nvPicPr>
+          <p:cNvPr id="6" name="Content Placeholder 5">
+            <a:extLst>
+              <a:ext uri="{FF2B5EF4-FFF2-40B4-BE49-F238E27FC236}">
+                <a16:creationId xmlns:a16="http://schemas.microsoft.com/office/drawing/2014/main" id="{047A6F0B-FF6D-764B-8DBA-94090DC7B5CC}"/>
+              </a:ext>
+            </a:extLst>
+          </p:cNvPr>
+          <p:cNvPicPr>
+            <a:picLocks noGrp="1" noChangeAspect="1"/>
+          </p:cNvPicPr>
           <p:nvPr>
             <p:ph sz="half" idx="1"/>
           </p:nvPr>
-        </p:nvSpPr>
-        <p:spPr/>
-        <p:txBody>
-          <a:bodyPr/>
-          <a:lstStyle/>
-          <a:p>
-            <a:endParaRPr lang="en-US"/>
-          </a:p>
-        </p:txBody>
-      </p:sp>
-      <p:sp>
-        <p:nvSpPr>
-          <p:cNvPr id="5" name="Content Placeholder 4">
-            <a:extLst>
-              <a:ext uri="{FF2B5EF4-FFF2-40B4-BE49-F238E27FC236}">
-                <a16:creationId xmlns:a16="http://schemas.microsoft.com/office/drawing/2014/main" id="{06630662-85C7-0C45-9A2B-8FF4BB9321A2}"/>
-              </a:ext>
-            </a:extLst>
-          </p:cNvPr>
-          <p:cNvSpPr>
-            <a:spLocks noGrp="1"/>
-          </p:cNvSpPr>
+        </p:nvPicPr>
+        <p:blipFill>
+          <a:blip r:embed="rId2">
+            <a:extLst>
+              <a:ext uri="{28A0092B-C50C-407E-A947-70E740481C1C}">
+                <a14:useLocalDpi xmlns:a14="http://schemas.microsoft.com/office/drawing/2010/main" val="0"/>
+              </a:ext>
+            </a:extLst>
+          </a:blip>
+          <a:stretch>
+            <a:fillRect/>
+          </a:stretch>
+        </p:blipFill>
+        <p:spPr>
+          <a:xfrm>
+            <a:off x="838200" y="2334376"/>
+            <a:ext cx="5181600" cy="3333836"/>
+          </a:xfrm>
+        </p:spPr>
+      </p:pic>
+      <p:pic>
+        <p:nvPicPr>
+          <p:cNvPr id="8" name="Content Placeholder 7">
+            <a:extLst>
+              <a:ext uri="{FF2B5EF4-FFF2-40B4-BE49-F238E27FC236}">
+                <a16:creationId xmlns:a16="http://schemas.microsoft.com/office/drawing/2014/main" id="{67FFABD0-4F9E-8849-B0CE-85E8645B5557}"/>
+              </a:ext>
+            </a:extLst>
+          </p:cNvPr>
+          <p:cNvPicPr>
+            <a:picLocks noGrp="1" noChangeAspect="1"/>
+          </p:cNvPicPr>
           <p:nvPr>
             <p:ph sz="half" idx="2"/>
           </p:nvPr>
-        </p:nvSpPr>
-        <p:spPr/>
-        <p:txBody>
-          <a:bodyPr/>
-          <a:lstStyle/>
-          <a:p>
-            <a:endParaRPr lang="en-US"/>
-          </a:p>
-        </p:txBody>
-      </p:sp>
+        </p:nvPicPr>
+        <p:blipFill>
+          <a:blip r:embed="rId3">
+            <a:extLst>
+              <a:ext uri="{28A0092B-C50C-407E-A947-70E740481C1C}">
+                <a14:useLocalDpi xmlns:a14="http://schemas.microsoft.com/office/drawing/2010/main" val="0"/>
+              </a:ext>
+            </a:extLst>
+          </a:blip>
+          <a:stretch>
+            <a:fillRect/>
+          </a:stretch>
+        </p:blipFill>
+        <p:spPr>
+          <a:xfrm>
+            <a:off x="6172200" y="2291366"/>
+            <a:ext cx="5181600" cy="3419856"/>
+          </a:xfrm>
+        </p:spPr>
+      </p:pic>
     </p:spTree>
     <p:extLst>
       <p:ext uri="{BB962C8B-B14F-4D97-AF65-F5344CB8AC3E}">
